--- a/Terraform101.pptx
+++ b/Terraform101.pptx
@@ -217,7 +217,7 @@
           <a:p>
             <a:fld id="{458B3470-95F1-4BD9-AFB4-529F3BDC56EE}" type="datetimeFigureOut">
               <a:rPr lang="sv-SE" smtClean="0"/>
-              <a:t>2023-02-02</a:t>
+              <a:t>2023-02-07</a:t>
             </a:fld>
             <a:endParaRPr lang="sv-SE"/>
           </a:p>
@@ -12520,7 +12520,7 @@
             </a:r>
             <a:r>
               <a:rPr lang="sv-SE" dirty="0"/>
-              <a:t> infrastruktur från vår lokala miljö</a:t>
+              <a:t> infrastruktur från din lokala miljö</a:t>
             </a:r>
           </a:p>
           <a:p>
@@ -12541,11 +12541,11 @@
           <a:p>
             <a:r>
               <a:rPr lang="sv-SE" dirty="0"/>
-              <a:t>Kollar på </a:t>
+              <a:t>Diskutera Terraform + </a:t>
             </a:r>
             <a:r>
               <a:rPr lang="sv-SE" dirty="0" err="1"/>
-              <a:t>statet</a:t>
+              <a:t>tfsate</a:t>
             </a:r>
             <a:endParaRPr lang="sv-SE" dirty="0"/>
           </a:p>
@@ -12742,7 +12742,7 @@
               <a:rPr lang="sv-SE" dirty="0">
                 <a:sym typeface="Wingdings" pitchFamily="2" charset="2"/>
               </a:rPr>
-              <a:t> misstag</a:t>
+              <a:t> misstag + går långsamt och är ineffektivt + inte skalbart </a:t>
             </a:r>
           </a:p>
           <a:p>
@@ -12751,7 +12751,28 @@
               <a:rPr lang="sv-SE" dirty="0">
                 <a:sym typeface="Wingdings" pitchFamily="2" charset="2"/>
               </a:rPr>
-              <a:t>Som ett recept – sätts upp likadant varje gång </a:t>
+              <a:t>Som ett recept – sätts upp likadant varje gång</a:t>
+            </a:r>
+          </a:p>
+          <a:p>
+            <a:pPr lvl="1"/>
+            <a:r>
+              <a:rPr lang="sv-SE" dirty="0">
+                <a:sym typeface="Wingdings" pitchFamily="2" charset="2"/>
+              </a:rPr>
+              <a:t>Använder </a:t>
+            </a:r>
+            <a:r>
+              <a:rPr lang="sv-SE" dirty="0" err="1">
+                <a:sym typeface="Wingdings" pitchFamily="2" charset="2"/>
+              </a:rPr>
+              <a:t>DevOps</a:t>
+            </a:r>
+            <a:r>
+              <a:rPr lang="sv-SE" dirty="0">
+                <a:sym typeface="Wingdings" pitchFamily="2" charset="2"/>
+              </a:rPr>
+              <a:t>-metodik</a:t>
             </a:r>
           </a:p>
           <a:p>
@@ -12761,6 +12782,15 @@
                 <a:sym typeface="Wingdings" pitchFamily="2" charset="2"/>
               </a:rPr>
               <a:t>Versionshanterat</a:t>
+            </a:r>
+          </a:p>
+          <a:p>
+            <a:pPr lvl="1"/>
+            <a:r>
+              <a:rPr lang="sv-SE" dirty="0">
+                <a:sym typeface="Wingdings" pitchFamily="2" charset="2"/>
+              </a:rPr>
+              <a:t>Lätt att sätta upp och riva ner miljöer </a:t>
             </a:r>
           </a:p>
           <a:p>
@@ -12939,14 +12969,112 @@
           <a:p>
             <a:r>
               <a:rPr lang="sv-SE" dirty="0"/>
+              <a:t>Ett infrastruktur som kod verktyg</a:t>
+            </a:r>
+          </a:p>
+          <a:p>
+            <a:r>
+              <a:rPr lang="sv-SE" dirty="0" err="1"/>
+              <a:t>Write</a:t>
+            </a:r>
+            <a:r>
+              <a:rPr lang="sv-SE" dirty="0"/>
+              <a:t> </a:t>
+            </a:r>
+            <a:r>
+              <a:rPr lang="sv-SE" dirty="0">
+                <a:sym typeface="Wingdings" pitchFamily="2" charset="2"/>
+              </a:rPr>
+              <a:t> Plan  </a:t>
+            </a:r>
+            <a:r>
+              <a:rPr lang="sv-SE" dirty="0" err="1">
+                <a:sym typeface="Wingdings" pitchFamily="2" charset="2"/>
+              </a:rPr>
+              <a:t>Apply</a:t>
+            </a:r>
+            <a:endParaRPr lang="sv-SE" dirty="0"/>
+          </a:p>
+          <a:p>
+            <a:r>
+              <a:rPr lang="sv-SE" dirty="0"/>
               <a:t>Cloud-agnostiskt (?)</a:t>
             </a:r>
           </a:p>
           <a:p>
+            <a:pPr lvl="1"/>
             <a:r>
               <a:rPr lang="sv-SE" dirty="0"/>
-              <a:t>Stateful </a:t>
-            </a:r>
+              <a:t>AWS, </a:t>
+            </a:r>
+            <a:r>
+              <a:rPr lang="sv-SE" dirty="0" err="1"/>
+              <a:t>Azure</a:t>
+            </a:r>
+            <a:r>
+              <a:rPr lang="sv-SE" dirty="0"/>
+              <a:t>, GCP, </a:t>
+            </a:r>
+            <a:r>
+              <a:rPr lang="sv-SE" dirty="0" err="1"/>
+              <a:t>Splunk</a:t>
+            </a:r>
+            <a:r>
+              <a:rPr lang="sv-SE" dirty="0"/>
+              <a:t>, </a:t>
+            </a:r>
+            <a:r>
+              <a:rPr lang="sv-SE" dirty="0" err="1"/>
+              <a:t>DataDog</a:t>
+            </a:r>
+            <a:r>
+              <a:rPr lang="sv-SE" dirty="0"/>
+              <a:t>, … </a:t>
+            </a:r>
+          </a:p>
+          <a:p>
+            <a:r>
+              <a:rPr lang="sv-SE" dirty="0"/>
+              <a:t>Stateful (</a:t>
+            </a:r>
+            <a:r>
+              <a:rPr lang="sv-SE" dirty="0" err="1"/>
+              <a:t>tfstate</a:t>
+            </a:r>
+            <a:r>
+              <a:rPr lang="sv-SE" dirty="0"/>
+              <a:t>)</a:t>
+            </a:r>
+          </a:p>
+          <a:p>
+            <a:pPr lvl="1"/>
+            <a:r>
+              <a:rPr lang="sv-SE" dirty="0"/>
+              <a:t>Sparas med fördel </a:t>
+            </a:r>
+            <a:r>
+              <a:rPr lang="sv-SE" dirty="0" err="1"/>
+              <a:t>remote</a:t>
+            </a:r>
+            <a:endParaRPr lang="sv-SE" dirty="0"/>
+          </a:p>
+          <a:p>
+            <a:pPr lvl="1"/>
+            <a:r>
+              <a:rPr lang="sv-SE" dirty="0"/>
+              <a:t>Kartlägga resurser till riktiga världen</a:t>
+            </a:r>
+          </a:p>
+          <a:p>
+            <a:pPr lvl="1"/>
+            <a:r>
+              <a:rPr lang="sv-SE" dirty="0"/>
+              <a:t>Beroenden mellan resurser</a:t>
+            </a:r>
+          </a:p>
+          <a:p>
+            <a:pPr lvl="1"/>
+            <a:endParaRPr lang="sv-SE" dirty="0"/>
           </a:p>
           <a:p>
             <a:pPr marL="0" indent="0">
@@ -13634,6 +13762,227 @@
   <p:clrMapOvr>
     <a:masterClrMapping/>
   </p:clrMapOvr>
+  <p:timing>
+    <p:tnLst>
+      <p:par>
+        <p:cTn id="1" dur="indefinite" restart="never" nodeType="tmRoot">
+          <p:childTnLst>
+            <p:seq concurrent="1" nextAc="seek">
+              <p:cTn id="2" dur="indefinite" nodeType="mainSeq">
+                <p:childTnLst>
+                  <p:par>
+                    <p:cTn id="3" fill="hold">
+                      <p:stCondLst>
+                        <p:cond delay="indefinite"/>
+                      </p:stCondLst>
+                      <p:childTnLst>
+                        <p:par>
+                          <p:cTn id="4" fill="hold">
+                            <p:stCondLst>
+                              <p:cond delay="0"/>
+                            </p:stCondLst>
+                            <p:childTnLst>
+                              <p:par>
+                                <p:cTn id="5" presetID="1" presetClass="entr" presetSubtype="0" fill="hold" nodeType="clickEffect">
+                                  <p:stCondLst>
+                                    <p:cond delay="0"/>
+                                  </p:stCondLst>
+                                  <p:childTnLst>
+                                    <p:set>
+                                      <p:cBhvr>
+                                        <p:cTn id="6" dur="1" fill="hold">
+                                          <p:stCondLst>
+                                            <p:cond delay="0"/>
+                                          </p:stCondLst>
+                                        </p:cTn>
+                                        <p:tgtEl>
+                                          <p:spTgt spid="2">
+                                            <p:txEl>
+                                              <p:pRg st="0" end="0"/>
+                                            </p:txEl>
+                                          </p:spTgt>
+                                        </p:tgtEl>
+                                        <p:attrNameLst>
+                                          <p:attrName>style.visibility</p:attrName>
+                                        </p:attrNameLst>
+                                      </p:cBhvr>
+                                      <p:to>
+                                        <p:strVal val="visible"/>
+                                      </p:to>
+                                    </p:set>
+                                  </p:childTnLst>
+                                </p:cTn>
+                              </p:par>
+                            </p:childTnLst>
+                          </p:cTn>
+                        </p:par>
+                      </p:childTnLst>
+                    </p:cTn>
+                  </p:par>
+                  <p:par>
+                    <p:cTn id="7" fill="hold">
+                      <p:stCondLst>
+                        <p:cond delay="indefinite"/>
+                      </p:stCondLst>
+                      <p:childTnLst>
+                        <p:par>
+                          <p:cTn id="8" fill="hold">
+                            <p:stCondLst>
+                              <p:cond delay="0"/>
+                            </p:stCondLst>
+                            <p:childTnLst>
+                              <p:par>
+                                <p:cTn id="9" presetID="1" presetClass="entr" presetSubtype="0" fill="hold" nodeType="clickEffect">
+                                  <p:stCondLst>
+                                    <p:cond delay="0"/>
+                                  </p:stCondLst>
+                                  <p:childTnLst>
+                                    <p:set>
+                                      <p:cBhvr>
+                                        <p:cTn id="10" dur="1" fill="hold">
+                                          <p:stCondLst>
+                                            <p:cond delay="0"/>
+                                          </p:stCondLst>
+                                        </p:cTn>
+                                        <p:tgtEl>
+                                          <p:spTgt spid="2">
+                                            <p:txEl>
+                                              <p:pRg st="2" end="2"/>
+                                            </p:txEl>
+                                          </p:spTgt>
+                                        </p:tgtEl>
+                                        <p:attrNameLst>
+                                          <p:attrName>style.visibility</p:attrName>
+                                        </p:attrNameLst>
+                                      </p:cBhvr>
+                                      <p:to>
+                                        <p:strVal val="visible"/>
+                                      </p:to>
+                                    </p:set>
+                                  </p:childTnLst>
+                                </p:cTn>
+                              </p:par>
+                              <p:par>
+                                <p:cTn id="11" presetID="1" presetClass="entr" presetSubtype="0" fill="hold" nodeType="withEffect">
+                                  <p:stCondLst>
+                                    <p:cond delay="0"/>
+                                  </p:stCondLst>
+                                  <p:childTnLst>
+                                    <p:set>
+                                      <p:cBhvr>
+                                        <p:cTn id="12" dur="1" fill="hold">
+                                          <p:stCondLst>
+                                            <p:cond delay="0"/>
+                                          </p:stCondLst>
+                                        </p:cTn>
+                                        <p:tgtEl>
+                                          <p:spTgt spid="2">
+                                            <p:txEl>
+                                              <p:pRg st="3" end="3"/>
+                                            </p:txEl>
+                                          </p:spTgt>
+                                        </p:tgtEl>
+                                        <p:attrNameLst>
+                                          <p:attrName>style.visibility</p:attrName>
+                                        </p:attrNameLst>
+                                      </p:cBhvr>
+                                      <p:to>
+                                        <p:strVal val="visible"/>
+                                      </p:to>
+                                    </p:set>
+                                  </p:childTnLst>
+                                </p:cTn>
+                              </p:par>
+                              <p:par>
+                                <p:cTn id="13" presetID="1" presetClass="entr" presetSubtype="0" fill="hold" nodeType="withEffect">
+                                  <p:stCondLst>
+                                    <p:cond delay="0"/>
+                                  </p:stCondLst>
+                                  <p:childTnLst>
+                                    <p:set>
+                                      <p:cBhvr>
+                                        <p:cTn id="14" dur="1" fill="hold">
+                                          <p:stCondLst>
+                                            <p:cond delay="0"/>
+                                          </p:stCondLst>
+                                        </p:cTn>
+                                        <p:tgtEl>
+                                          <p:spTgt spid="2">
+                                            <p:txEl>
+                                              <p:pRg st="4" end="4"/>
+                                            </p:txEl>
+                                          </p:spTgt>
+                                        </p:tgtEl>
+                                        <p:attrNameLst>
+                                          <p:attrName>style.visibility</p:attrName>
+                                        </p:attrNameLst>
+                                      </p:cBhvr>
+                                      <p:to>
+                                        <p:strVal val="visible"/>
+                                      </p:to>
+                                    </p:set>
+                                  </p:childTnLst>
+                                </p:cTn>
+                              </p:par>
+                              <p:par>
+                                <p:cTn id="15" presetID="1" presetClass="entr" presetSubtype="0" fill="hold" nodeType="withEffect">
+                                  <p:stCondLst>
+                                    <p:cond delay="0"/>
+                                  </p:stCondLst>
+                                  <p:childTnLst>
+                                    <p:set>
+                                      <p:cBhvr>
+                                        <p:cTn id="16" dur="1" fill="hold">
+                                          <p:stCondLst>
+                                            <p:cond delay="0"/>
+                                          </p:stCondLst>
+                                        </p:cTn>
+                                        <p:tgtEl>
+                                          <p:spTgt spid="2">
+                                            <p:txEl>
+                                              <p:pRg st="6" end="6"/>
+                                            </p:txEl>
+                                          </p:spTgt>
+                                        </p:tgtEl>
+                                        <p:attrNameLst>
+                                          <p:attrName>style.visibility</p:attrName>
+                                        </p:attrNameLst>
+                                      </p:cBhvr>
+                                      <p:to>
+                                        <p:strVal val="visible"/>
+                                      </p:to>
+                                    </p:set>
+                                  </p:childTnLst>
+                                </p:cTn>
+                              </p:par>
+                            </p:childTnLst>
+                          </p:cTn>
+                        </p:par>
+                      </p:childTnLst>
+                    </p:cTn>
+                  </p:par>
+                </p:childTnLst>
+              </p:cTn>
+              <p:prevCondLst>
+                <p:cond evt="onPrev" delay="0">
+                  <p:tgtEl>
+                    <p:sldTgt/>
+                  </p:tgtEl>
+                </p:cond>
+              </p:prevCondLst>
+              <p:nextCondLst>
+                <p:cond evt="onNext" delay="0">
+                  <p:tgtEl>
+                    <p:sldTgt/>
+                  </p:tgtEl>
+                </p:cond>
+              </p:nextCondLst>
+            </p:seq>
+          </p:childTnLst>
+        </p:cTn>
+      </p:par>
+    </p:tnLst>
+  </p:timing>
 </p:sld>
 </file>
 
@@ -13718,7 +14067,15 @@
             </a:r>
             <a:r>
               <a:rPr lang="sv-SE" dirty="0"/>
-              <a:t> saker samtidigt – skapas lock</a:t>
+              <a:t> saker samtidigt/avbryter en </a:t>
+            </a:r>
+            <a:r>
+              <a:rPr lang="sv-SE" dirty="0" err="1"/>
+              <a:t>deploy</a:t>
+            </a:r>
+            <a:r>
+              <a:rPr lang="sv-SE" dirty="0"/>
+              <a:t> – kan skapas lock</a:t>
             </a:r>
           </a:p>
           <a:p>
@@ -14799,21 +15156,6 @@
 </file>
 
 <file path=customXml/item1.xml><?xml version="1.0" encoding="utf-8"?>
-<?mso-contentType ?>
-<FormTemplates xmlns="http://schemas.microsoft.com/sharepoint/v3/contenttype/forms">
-  <Display>DocumentLibraryForm</Display>
-  <Edit>DocumentLibraryForm</Edit>
-  <New>DocumentLibraryForm</New>
-</FormTemplates>
-</file>
-
-<file path=customXml/item2.xml><?xml version="1.0" encoding="utf-8"?>
-<p:properties xmlns:p="http://schemas.microsoft.com/office/2006/metadata/properties" xmlns:xsi="http://www.w3.org/2001/XMLSchema-instance" xmlns:pc="http://schemas.microsoft.com/office/infopath/2007/PartnerControls">
-  <documentManagement/>
-</p:properties>
-</file>
-
-<file path=customXml/item3.xml><?xml version="1.0" encoding="utf-8"?>
 <ct:contentTypeSchema xmlns:ct="http://schemas.microsoft.com/office/2006/metadata/contentType" xmlns:ma="http://schemas.microsoft.com/office/2006/metadata/properties/metaAttributes" ct:_="" ma:_="" ma:contentTypeName="Document" ma:contentTypeID="0x010100D6CA2153213081418B7E14E4E1BF3C98" ma:contentTypeVersion="2" ma:contentTypeDescription="Create a new document." ma:contentTypeScope="" ma:versionID="03db4e3b3240684c23d48d70e0b6ed6a">
   <xsd:schema xmlns:xsd="http://www.w3.org/2001/XMLSchema" xmlns:xs="http://www.w3.org/2001/XMLSchema" xmlns:p="http://schemas.microsoft.com/office/2006/metadata/properties" xmlns:ns2="1965f72c-9ebc-4681-8fe0-9d8b479c414e" targetNamespace="http://schemas.microsoft.com/office/2006/metadata/properties" ma:root="true" ma:fieldsID="9ac48234fe16130c81fdbfe8bcc0218b" ns2:_="">
     <xsd:import namespace="1965f72c-9ebc-4681-8fe0-9d8b479c414e"/>
@@ -14945,24 +15287,22 @@
 </ct:contentTypeSchema>
 </file>
 
-<file path=customXml/itemProps1.xml><?xml version="1.0" encoding="utf-8"?>
-<ds:datastoreItem xmlns:ds="http://schemas.openxmlformats.org/officeDocument/2006/customXml" ds:itemID="{DE89EAE4-F0DF-4056-A4B5-87C04EEE6F62}">
-  <ds:schemaRefs>
-    <ds:schemaRef ds:uri="http://schemas.microsoft.com/sharepoint/v3/contenttype/forms"/>
-  </ds:schemaRefs>
-</ds:datastoreItem>
+<file path=customXml/item2.xml><?xml version="1.0" encoding="utf-8"?>
+<p:properties xmlns:p="http://schemas.microsoft.com/office/2006/metadata/properties" xmlns:xsi="http://www.w3.org/2001/XMLSchema-instance" xmlns:pc="http://schemas.microsoft.com/office/infopath/2007/PartnerControls">
+  <documentManagement/>
+</p:properties>
 </file>
 
-<file path=customXml/itemProps2.xml><?xml version="1.0" encoding="utf-8"?>
-<ds:datastoreItem xmlns:ds="http://schemas.openxmlformats.org/officeDocument/2006/customXml" ds:itemID="{5C56C71D-643B-4E04-9A6A-F76847701330}">
-  <ds:schemaRefs>
-    <ds:schemaRef ds:uri="http://schemas.microsoft.com/office/2006/metadata/properties"/>
-    <ds:schemaRef ds:uri="http://schemas.microsoft.com/office/infopath/2007/PartnerControls"/>
-  </ds:schemaRefs>
-</ds:datastoreItem>
+<file path=customXml/item3.xml><?xml version="1.0" encoding="utf-8"?>
+<?mso-contentType ?>
+<FormTemplates xmlns="http://schemas.microsoft.com/sharepoint/v3/contenttype/forms">
+  <Display>DocumentLibraryForm</Display>
+  <Edit>DocumentLibraryForm</Edit>
+  <New>DocumentLibraryForm</New>
+</FormTemplates>
 </file>
 
-<file path=customXml/itemProps3.xml><?xml version="1.0" encoding="utf-8"?>
+<file path=customXml/itemProps1.xml><?xml version="1.0" encoding="utf-8"?>
 <ds:datastoreItem xmlns:ds="http://schemas.openxmlformats.org/officeDocument/2006/customXml" ds:itemID="{3C79E6B8-19A4-452C-B903-6FAB7AF44471}">
   <ds:schemaRefs>
     <ds:schemaRef ds:uri="http://schemas.microsoft.com/office/2006/metadata/contentType"/>
@@ -14978,4 +15318,21 @@
     <ds:schemaRef ds:uri="http://schemas.microsoft.com/internal/obd"/>
   </ds:schemaRefs>
 </ds:datastoreItem>
+</file>
+
+<file path=customXml/itemProps2.xml><?xml version="1.0" encoding="utf-8"?>
+<ds:datastoreItem xmlns:ds="http://schemas.openxmlformats.org/officeDocument/2006/customXml" ds:itemID="{5C56C71D-643B-4E04-9A6A-F76847701330}">
+  <ds:schemaRefs>
+    <ds:schemaRef ds:uri="http://schemas.microsoft.com/office/2006/metadata/properties"/>
+    <ds:schemaRef ds:uri="http://schemas.microsoft.com/office/infopath/2007/PartnerControls"/>
+  </ds:schemaRefs>
+</ds:datastoreItem>
+</file>
+
+<file path=customXml/itemProps3.xml><?xml version="1.0" encoding="utf-8"?>
+<ds:datastoreItem xmlns:ds="http://schemas.openxmlformats.org/officeDocument/2006/customXml" ds:itemID="{DE89EAE4-F0DF-4056-A4B5-87C04EEE6F62}">
+  <ds:schemaRefs>
+    <ds:schemaRef ds:uri="http://schemas.microsoft.com/sharepoint/v3/contenttype/forms"/>
+  </ds:schemaRefs>
+</ds:datastoreItem>
 </file>
--- a/Terraform101.pptx
+++ b/Terraform101.pptx
@@ -217,7 +217,7 @@
           <a:p>
             <a:fld id="{458B3470-95F1-4BD9-AFB4-529F3BDC56EE}" type="datetimeFigureOut">
               <a:rPr lang="sv-SE" smtClean="0"/>
-              <a:t>2023-02-07</a:t>
+              <a:t>2023-02-08</a:t>
             </a:fld>
             <a:endParaRPr lang="sv-SE"/>
           </a:p>
@@ -12348,7 +12348,7 @@
             </a:extLst>
           </p:cNvPr>
           <p:cNvSpPr>
-            <a:spLocks noGrp="1"/>
+            <a:spLocks noGrp="1" noRot="1" noMove="1" noResize="1" noEditPoints="1" noAdjustHandles="1" noChangeArrowheads="1" noChangeShapeType="1"/>
           </p:cNvSpPr>
           <p:nvPr>
             <p:ph type="pic" sz="quarter" idx="13"/>
@@ -12420,33 +12420,130 @@
           </a:p>
         </p:txBody>
       </p:sp>
-      <p:sp>
-        <p:nvSpPr>
-          <p:cNvPr id="5" name="Platshållare för text 4">
-            <a:extLst>
-              <a:ext uri="{FF2B5EF4-FFF2-40B4-BE49-F238E27FC236}">
-                <a16:creationId xmlns:a16="http://schemas.microsoft.com/office/drawing/2014/main" id="{704B33A7-650B-4F6C-8471-5756F8813898}"/>
-              </a:ext>
-            </a:extLst>
-          </p:cNvPr>
-          <p:cNvSpPr>
-            <a:spLocks noGrp="1"/>
-          </p:cNvSpPr>
-          <p:nvPr>
-            <p:ph type="body" sz="quarter" idx="14"/>
-          </p:nvPr>
-        </p:nvSpPr>
-        <p:spPr/>
-        <p:txBody>
-          <a:bodyPr>
-            <a:normAutofit/>
-          </a:bodyPr>
-          <a:lstStyle/>
-          <a:p>
-            <a:endParaRPr lang="sv-SE" dirty="0"/>
-          </a:p>
-        </p:txBody>
-      </p:sp>
+      <p:pic>
+        <p:nvPicPr>
+          <p:cNvPr id="1030" name="Picture 6" descr="Download Terraform Logo PNG and Vector (PDF, SVG, Ai, EPS) Free">
+            <a:extLst>
+              <a:ext uri="{FF2B5EF4-FFF2-40B4-BE49-F238E27FC236}">
+                <a16:creationId xmlns:a16="http://schemas.microsoft.com/office/drawing/2014/main" id="{8DC0A95F-E5DD-C916-6326-C27B5194EEB6}"/>
+              </a:ext>
+            </a:extLst>
+          </p:cNvPr>
+          <p:cNvPicPr>
+            <a:picLocks noChangeAspect="1" noChangeArrowheads="1"/>
+          </p:cNvPicPr>
+          <p:nvPr/>
+        </p:nvPicPr>
+        <p:blipFill>
+          <a:blip r:embed="rId2">
+            <a:extLst>
+              <a:ext uri="{28A0092B-C50C-407E-A947-70E740481C1C}">
+                <a14:useLocalDpi xmlns:a14="http://schemas.microsoft.com/office/drawing/2010/main" val="0"/>
+              </a:ext>
+            </a:extLst>
+          </a:blip>
+          <a:srcRect/>
+          <a:stretch>
+            <a:fillRect/>
+          </a:stretch>
+        </p:blipFill>
+        <p:spPr bwMode="auto">
+          <a:xfrm>
+            <a:off x="3868627" y="3106655"/>
+            <a:ext cx="4088987" cy="2652712"/>
+          </a:xfrm>
+          <a:prstGeom prst="rect">
+            <a:avLst/>
+          </a:prstGeom>
+          <a:noFill/>
+          <a:extLst>
+            <a:ext uri="{909E8E84-426E-40DD-AFC4-6F175D3DCCD1}">
+              <a14:hiddenFill xmlns:a14="http://schemas.microsoft.com/office/drawing/2010/main">
+                <a:solidFill>
+                  <a:srgbClr val="FFFFFF"/>
+                </a:solidFill>
+              </a14:hiddenFill>
+            </a:ext>
+          </a:extLst>
+        </p:spPr>
+      </p:pic>
+      <p:pic>
+        <p:nvPicPr>
+          <p:cNvPr id="14" name="Picture 8" descr="Profile photo for Linnéa Oxenwaldt">
+            <a:extLst>
+              <a:ext uri="{FF2B5EF4-FFF2-40B4-BE49-F238E27FC236}">
+                <a16:creationId xmlns:a16="http://schemas.microsoft.com/office/drawing/2014/main" id="{11E702C3-34D1-DC99-611E-8A58D58AD0E3}"/>
+              </a:ext>
+            </a:extLst>
+          </p:cNvPr>
+          <p:cNvPicPr>
+            <a:picLocks noChangeAspect="1" noChangeArrowheads="1"/>
+          </p:cNvPicPr>
+          <p:nvPr/>
+        </p:nvPicPr>
+        <p:blipFill>
+          <a:blip r:embed="rId3">
+            <a:extLst>
+              <a:ext uri="{28A0092B-C50C-407E-A947-70E740481C1C}">
+                <a14:useLocalDpi xmlns:a14="http://schemas.microsoft.com/office/drawing/2010/main" val="0"/>
+              </a:ext>
+            </a:extLst>
+          </a:blip>
+          <a:srcRect t="21875" b="21875"/>
+          <a:stretch>
+            <a:fillRect/>
+          </a:stretch>
+        </p:blipFill>
+        <p:spPr bwMode="auto">
+          <a:xfrm rot="19826550">
+            <a:off x="1685923" y="4386701"/>
+            <a:ext cx="2638425" cy="1484114"/>
+          </a:xfrm>
+          <a:prstGeom prst="rect">
+            <a:avLst/>
+          </a:prstGeom>
+          <a:noFill/>
+          <a:extLst>
+            <a:ext uri="{909E8E84-426E-40DD-AFC4-6F175D3DCCD1}">
+              <a14:hiddenFill xmlns:a14="http://schemas.microsoft.com/office/drawing/2010/main">
+                <a:solidFill>
+                  <a:srgbClr val="FFFFFF"/>
+                </a:solidFill>
+              </a14:hiddenFill>
+            </a:ext>
+          </a:extLst>
+        </p:spPr>
+      </p:pic>
+      <p:pic>
+        <p:nvPicPr>
+          <p:cNvPr id="18" name="Picture 17">
+            <a:extLst>
+              <a:ext uri="{FF2B5EF4-FFF2-40B4-BE49-F238E27FC236}">
+                <a16:creationId xmlns:a16="http://schemas.microsoft.com/office/drawing/2014/main" id="{56503FDD-1135-3B6D-5663-D3A115F16373}"/>
+              </a:ext>
+            </a:extLst>
+          </p:cNvPr>
+          <p:cNvPicPr>
+            <a:picLocks noChangeAspect="1"/>
+          </p:cNvPicPr>
+          <p:nvPr/>
+        </p:nvPicPr>
+        <p:blipFill>
+          <a:blip r:embed="rId4"/>
+          <a:stretch>
+            <a:fillRect/>
+          </a:stretch>
+        </p:blipFill>
+        <p:spPr>
+          <a:xfrm rot="2253011">
+            <a:off x="7055157" y="3037171"/>
+            <a:ext cx="2827865" cy="1590674"/>
+          </a:xfrm>
+          <a:prstGeom prst="rect">
+            <a:avLst/>
+          </a:prstGeom>
+        </p:spPr>
+      </p:pic>
     </p:spTree>
     <p:extLst>
       <p:ext uri="{BB962C8B-B14F-4D97-AF65-F5344CB8AC3E}">
@@ -12515,28 +12612,15 @@
           </a:p>
           <a:p>
             <a:r>
-              <a:rPr lang="sv-SE" dirty="0" err="1"/>
-              <a:t>Deployar</a:t>
-            </a:r>
-            <a:r>
               <a:rPr lang="sv-SE" dirty="0"/>
-              <a:t> infrastruktur från din lokala miljö</a:t>
-            </a:r>
-          </a:p>
-          <a:p>
-            <a:r>
-              <a:rPr lang="sv-SE" dirty="0" err="1"/>
-              <a:t>Deployar</a:t>
-            </a:r>
+              <a:t>Deploya infrastruktur från din lokala miljö</a:t>
+            </a:r>
+          </a:p>
+          <a:p>
             <a:r>
               <a:rPr lang="sv-SE" dirty="0"/>
-              <a:t> infrastruktur från en pipeline i </a:t>
-            </a:r>
-            <a:r>
-              <a:rPr lang="sv-SE" dirty="0" err="1"/>
-              <a:t>GitHub</a:t>
-            </a:r>
-            <a:endParaRPr lang="sv-SE" dirty="0"/>
+              <a:t>Deploya infrastruktur från en pipeline i GitHub</a:t>
+            </a:r>
           </a:p>
           <a:p>
             <a:r>
@@ -12554,31 +12638,6 @@
               <a:rPr lang="sv-SE" dirty="0"/>
               <a:t>Förbättrar säkerheten</a:t>
             </a:r>
-          </a:p>
-        </p:txBody>
-      </p:sp>
-      <p:sp>
-        <p:nvSpPr>
-          <p:cNvPr id="3" name="Underrubrik 2">
-            <a:extLst>
-              <a:ext uri="{FF2B5EF4-FFF2-40B4-BE49-F238E27FC236}">
-                <a16:creationId xmlns:a16="http://schemas.microsoft.com/office/drawing/2014/main" id="{804D1D3C-01BA-46E1-97F2-CD96352B807A}"/>
-              </a:ext>
-            </a:extLst>
-          </p:cNvPr>
-          <p:cNvSpPr>
-            <a:spLocks noGrp="1"/>
-          </p:cNvSpPr>
-          <p:nvPr>
-            <p:ph type="subTitle" idx="16"/>
-          </p:nvPr>
-        </p:nvSpPr>
-        <p:spPr/>
-        <p:txBody>
-          <a:bodyPr/>
-          <a:lstStyle/>
-          <a:p>
-            <a:endParaRPr lang="sv-SE" dirty="0"/>
           </a:p>
         </p:txBody>
       </p:sp>
@@ -15156,6 +15215,12 @@
 </file>
 
 <file path=customXml/item1.xml><?xml version="1.0" encoding="utf-8"?>
+<p:properties xmlns:p="http://schemas.microsoft.com/office/2006/metadata/properties" xmlns:xsi="http://www.w3.org/2001/XMLSchema-instance" xmlns:pc="http://schemas.microsoft.com/office/infopath/2007/PartnerControls">
+  <documentManagement/>
+</p:properties>
+</file>
+
+<file path=customXml/item2.xml><?xml version="1.0" encoding="utf-8"?>
 <ct:contentTypeSchema xmlns:ct="http://schemas.microsoft.com/office/2006/metadata/contentType" xmlns:ma="http://schemas.microsoft.com/office/2006/metadata/properties/metaAttributes" ct:_="" ma:_="" ma:contentTypeName="Document" ma:contentTypeID="0x010100D6CA2153213081418B7E14E4E1BF3C98" ma:contentTypeVersion="2" ma:contentTypeDescription="Create a new document." ma:contentTypeScope="" ma:versionID="03db4e3b3240684c23d48d70e0b6ed6a">
   <xsd:schema xmlns:xsd="http://www.w3.org/2001/XMLSchema" xmlns:xs="http://www.w3.org/2001/XMLSchema" xmlns:p="http://schemas.microsoft.com/office/2006/metadata/properties" xmlns:ns2="1965f72c-9ebc-4681-8fe0-9d8b479c414e" targetNamespace="http://schemas.microsoft.com/office/2006/metadata/properties" ma:root="true" ma:fieldsID="9ac48234fe16130c81fdbfe8bcc0218b" ns2:_="">
     <xsd:import namespace="1965f72c-9ebc-4681-8fe0-9d8b479c414e"/>
@@ -15287,12 +15352,6 @@
 </ct:contentTypeSchema>
 </file>
 
-<file path=customXml/item2.xml><?xml version="1.0" encoding="utf-8"?>
-<p:properties xmlns:p="http://schemas.microsoft.com/office/2006/metadata/properties" xmlns:xsi="http://www.w3.org/2001/XMLSchema-instance" xmlns:pc="http://schemas.microsoft.com/office/infopath/2007/PartnerControls">
-  <documentManagement/>
-</p:properties>
-</file>
-
 <file path=customXml/item3.xml><?xml version="1.0" encoding="utf-8"?>
 <?mso-contentType ?>
 <FormTemplates xmlns="http://schemas.microsoft.com/sharepoint/v3/contenttype/forms">
@@ -15303,6 +15362,15 @@
 </file>
 
 <file path=customXml/itemProps1.xml><?xml version="1.0" encoding="utf-8"?>
+<ds:datastoreItem xmlns:ds="http://schemas.openxmlformats.org/officeDocument/2006/customXml" ds:itemID="{5C56C71D-643B-4E04-9A6A-F76847701330}">
+  <ds:schemaRefs>
+    <ds:schemaRef ds:uri="http://schemas.microsoft.com/office/2006/metadata/properties"/>
+    <ds:schemaRef ds:uri="http://schemas.microsoft.com/office/infopath/2007/PartnerControls"/>
+  </ds:schemaRefs>
+</ds:datastoreItem>
+</file>
+
+<file path=customXml/itemProps2.xml><?xml version="1.0" encoding="utf-8"?>
 <ds:datastoreItem xmlns:ds="http://schemas.openxmlformats.org/officeDocument/2006/customXml" ds:itemID="{3C79E6B8-19A4-452C-B903-6FAB7AF44471}">
   <ds:schemaRefs>
     <ds:schemaRef ds:uri="http://schemas.microsoft.com/office/2006/metadata/contentType"/>
@@ -15320,15 +15388,6 @@
 </ds:datastoreItem>
 </file>
 
-<file path=customXml/itemProps2.xml><?xml version="1.0" encoding="utf-8"?>
-<ds:datastoreItem xmlns:ds="http://schemas.openxmlformats.org/officeDocument/2006/customXml" ds:itemID="{5C56C71D-643B-4E04-9A6A-F76847701330}">
-  <ds:schemaRefs>
-    <ds:schemaRef ds:uri="http://schemas.microsoft.com/office/2006/metadata/properties"/>
-    <ds:schemaRef ds:uri="http://schemas.microsoft.com/office/infopath/2007/PartnerControls"/>
-  </ds:schemaRefs>
-</ds:datastoreItem>
-</file>
-
 <file path=customXml/itemProps3.xml><?xml version="1.0" encoding="utf-8"?>
 <ds:datastoreItem xmlns:ds="http://schemas.openxmlformats.org/officeDocument/2006/customXml" ds:itemID="{DE89EAE4-F0DF-4056-A4B5-87C04EEE6F62}">
   <ds:schemaRefs>

--- a/Terraform101.pptx
+++ b/Terraform101.pptx
@@ -217,7 +217,7 @@
           <a:p>
             <a:fld id="{458B3470-95F1-4BD9-AFB4-529F3BDC56EE}" type="datetimeFigureOut">
               <a:rPr lang="sv-SE" smtClean="0"/>
-              <a:t>2023-02-08</a:t>
+              <a:t>2023-02-10</a:t>
             </a:fld>
             <a:endParaRPr lang="sv-SE"/>
           </a:p>
@@ -12538,6 +12538,42 @@
           <a:xfrm rot="2253011">
             <a:off x="7055157" y="3037171"/>
             <a:ext cx="2827865" cy="1590674"/>
+          </a:xfrm>
+          <a:prstGeom prst="rect">
+            <a:avLst/>
+          </a:prstGeom>
+        </p:spPr>
+      </p:pic>
+      <p:pic>
+        <p:nvPicPr>
+          <p:cNvPr id="7" name="Bildobjekt 6" descr="En bild som visar person, vägg, inomhus, kostym&#10;&#10;Automatiskt genererad beskrivning">
+            <a:extLst>
+              <a:ext uri="{FF2B5EF4-FFF2-40B4-BE49-F238E27FC236}">
+                <a16:creationId xmlns:a16="http://schemas.microsoft.com/office/drawing/2014/main" id="{5E40F718-17BD-1A00-93B3-100696586A44}"/>
+              </a:ext>
+            </a:extLst>
+          </p:cNvPr>
+          <p:cNvPicPr>
+            <a:picLocks noChangeAspect="1"/>
+          </p:cNvPicPr>
+          <p:nvPr/>
+        </p:nvPicPr>
+        <p:blipFill>
+          <a:blip r:embed="rId5">
+            <a:extLst>
+              <a:ext uri="{28A0092B-C50C-407E-A947-70E740481C1C}">
+                <a14:useLocalDpi xmlns:a14="http://schemas.microsoft.com/office/drawing/2010/main" val="0"/>
+              </a:ext>
+            </a:extLst>
+          </a:blip>
+          <a:stretch>
+            <a:fillRect/>
+          </a:stretch>
+        </p:blipFill>
+        <p:spPr>
+          <a:xfrm rot="19920173">
+            <a:off x="1610699" y="4275102"/>
+            <a:ext cx="2788874" cy="1813390"/>
           </a:xfrm>
           <a:prstGeom prst="rect">
             <a:avLst/>
@@ -15215,9 +15251,12 @@
 </file>
 
 <file path=customXml/item1.xml><?xml version="1.0" encoding="utf-8"?>
-<p:properties xmlns:p="http://schemas.microsoft.com/office/2006/metadata/properties" xmlns:xsi="http://www.w3.org/2001/XMLSchema-instance" xmlns:pc="http://schemas.microsoft.com/office/infopath/2007/PartnerControls">
-  <documentManagement/>
-</p:properties>
+<?mso-contentType ?>
+<FormTemplates xmlns="http://schemas.microsoft.com/sharepoint/v3/contenttype/forms">
+  <Display>DocumentLibraryForm</Display>
+  <Edit>DocumentLibraryForm</Edit>
+  <New>DocumentLibraryForm</New>
+</FormTemplates>
 </file>
 
 <file path=customXml/item2.xml><?xml version="1.0" encoding="utf-8"?>
@@ -15353,19 +15392,15 @@
 </file>
 
 <file path=customXml/item3.xml><?xml version="1.0" encoding="utf-8"?>
-<?mso-contentType ?>
-<FormTemplates xmlns="http://schemas.microsoft.com/sharepoint/v3/contenttype/forms">
-  <Display>DocumentLibraryForm</Display>
-  <Edit>DocumentLibraryForm</Edit>
-  <New>DocumentLibraryForm</New>
-</FormTemplates>
+<p:properties xmlns:p="http://schemas.microsoft.com/office/2006/metadata/properties" xmlns:xsi="http://www.w3.org/2001/XMLSchema-instance" xmlns:pc="http://schemas.microsoft.com/office/infopath/2007/PartnerControls">
+  <documentManagement/>
+</p:properties>
 </file>
 
 <file path=customXml/itemProps1.xml><?xml version="1.0" encoding="utf-8"?>
-<ds:datastoreItem xmlns:ds="http://schemas.openxmlformats.org/officeDocument/2006/customXml" ds:itemID="{5C56C71D-643B-4E04-9A6A-F76847701330}">
+<ds:datastoreItem xmlns:ds="http://schemas.openxmlformats.org/officeDocument/2006/customXml" ds:itemID="{DE89EAE4-F0DF-4056-A4B5-87C04EEE6F62}">
   <ds:schemaRefs>
-    <ds:schemaRef ds:uri="http://schemas.microsoft.com/office/2006/metadata/properties"/>
-    <ds:schemaRef ds:uri="http://schemas.microsoft.com/office/infopath/2007/PartnerControls"/>
+    <ds:schemaRef ds:uri="http://schemas.microsoft.com/sharepoint/v3/contenttype/forms"/>
   </ds:schemaRefs>
 </ds:datastoreItem>
 </file>
@@ -15389,9 +15424,10 @@
 </file>
 
 <file path=customXml/itemProps3.xml><?xml version="1.0" encoding="utf-8"?>
-<ds:datastoreItem xmlns:ds="http://schemas.openxmlformats.org/officeDocument/2006/customXml" ds:itemID="{DE89EAE4-F0DF-4056-A4B5-87C04EEE6F62}">
+<ds:datastoreItem xmlns:ds="http://schemas.openxmlformats.org/officeDocument/2006/customXml" ds:itemID="{5C56C71D-643B-4E04-9A6A-F76847701330}">
   <ds:schemaRefs>
-    <ds:schemaRef ds:uri="http://schemas.microsoft.com/sharepoint/v3/contenttype/forms"/>
+    <ds:schemaRef ds:uri="http://schemas.microsoft.com/office/2006/metadata/properties"/>
+    <ds:schemaRef ds:uri="http://schemas.microsoft.com/office/infopath/2007/PartnerControls"/>
   </ds:schemaRefs>
 </ds:datastoreItem>
 </file>